--- a/PresentaciónPluginRobusta.pptx
+++ b/PresentaciónPluginRobusta.pptx
@@ -124,6 +124,11 @@
       </a:defRPr>
     </a:lvl9pPr>
   </p:defaultTextStyle>
+  <p:extLst>
+    <p:ext uri="{EFAFB233-063F-42B5-8137-9DF3F51BA10A}">
+      <p15:sldGuideLst xmlns:p15="http://schemas.microsoft.com/office/powerpoint/2012/main"/>
+    </p:ext>
+  </p:extLst>
 </p:presentation>
 </file>
 
@@ -274,7 +279,7 @@
           <a:p>
             <a:fld id="{EABBE466-1605-419E-A023-F85C1E3C20FA}" type="datetimeFigureOut">
               <a:rPr lang="es-ES" smtClean="0"/>
-              <a:t>29/11/2021</a:t>
+              <a:t>30/11/2021</a:t>
             </a:fld>
             <a:endParaRPr lang="es-ES"/>
           </a:p>
@@ -472,7 +477,7 @@
           <a:p>
             <a:fld id="{EABBE466-1605-419E-A023-F85C1E3C20FA}" type="datetimeFigureOut">
               <a:rPr lang="es-ES" smtClean="0"/>
-              <a:t>29/11/2021</a:t>
+              <a:t>30/11/2021</a:t>
             </a:fld>
             <a:endParaRPr lang="es-ES"/>
           </a:p>
@@ -680,7 +685,7 @@
           <a:p>
             <a:fld id="{EABBE466-1605-419E-A023-F85C1E3C20FA}" type="datetimeFigureOut">
               <a:rPr lang="es-ES" smtClean="0"/>
-              <a:t>29/11/2021</a:t>
+              <a:t>30/11/2021</a:t>
             </a:fld>
             <a:endParaRPr lang="es-ES"/>
           </a:p>
@@ -878,7 +883,7 @@
           <a:p>
             <a:fld id="{EABBE466-1605-419E-A023-F85C1E3C20FA}" type="datetimeFigureOut">
               <a:rPr lang="es-ES" smtClean="0"/>
-              <a:t>29/11/2021</a:t>
+              <a:t>30/11/2021</a:t>
             </a:fld>
             <a:endParaRPr lang="es-ES"/>
           </a:p>
@@ -1153,7 +1158,7 @@
           <a:p>
             <a:fld id="{EABBE466-1605-419E-A023-F85C1E3C20FA}" type="datetimeFigureOut">
               <a:rPr lang="es-ES" smtClean="0"/>
-              <a:t>29/11/2021</a:t>
+              <a:t>30/11/2021</a:t>
             </a:fld>
             <a:endParaRPr lang="es-ES"/>
           </a:p>
@@ -1418,7 +1423,7 @@
           <a:p>
             <a:fld id="{EABBE466-1605-419E-A023-F85C1E3C20FA}" type="datetimeFigureOut">
               <a:rPr lang="es-ES" smtClean="0"/>
-              <a:t>29/11/2021</a:t>
+              <a:t>30/11/2021</a:t>
             </a:fld>
             <a:endParaRPr lang="es-ES"/>
           </a:p>
@@ -1830,7 +1835,7 @@
           <a:p>
             <a:fld id="{EABBE466-1605-419E-A023-F85C1E3C20FA}" type="datetimeFigureOut">
               <a:rPr lang="es-ES" smtClean="0"/>
-              <a:t>29/11/2021</a:t>
+              <a:t>30/11/2021</a:t>
             </a:fld>
             <a:endParaRPr lang="es-ES"/>
           </a:p>
@@ -1971,7 +1976,7 @@
           <a:p>
             <a:fld id="{EABBE466-1605-419E-A023-F85C1E3C20FA}" type="datetimeFigureOut">
               <a:rPr lang="es-ES" smtClean="0"/>
-              <a:t>29/11/2021</a:t>
+              <a:t>30/11/2021</a:t>
             </a:fld>
             <a:endParaRPr lang="es-ES"/>
           </a:p>
@@ -2084,7 +2089,7 @@
           <a:p>
             <a:fld id="{EABBE466-1605-419E-A023-F85C1E3C20FA}" type="datetimeFigureOut">
               <a:rPr lang="es-ES" smtClean="0"/>
-              <a:t>29/11/2021</a:t>
+              <a:t>30/11/2021</a:t>
             </a:fld>
             <a:endParaRPr lang="es-ES"/>
           </a:p>
@@ -2395,7 +2400,7 @@
           <a:p>
             <a:fld id="{EABBE466-1605-419E-A023-F85C1E3C20FA}" type="datetimeFigureOut">
               <a:rPr lang="es-ES" smtClean="0"/>
-              <a:t>29/11/2021</a:t>
+              <a:t>30/11/2021</a:t>
             </a:fld>
             <a:endParaRPr lang="es-ES"/>
           </a:p>
@@ -2683,7 +2688,7 @@
           <a:p>
             <a:fld id="{EABBE466-1605-419E-A023-F85C1E3C20FA}" type="datetimeFigureOut">
               <a:rPr lang="es-ES" smtClean="0"/>
-              <a:t>29/11/2021</a:t>
+              <a:t>30/11/2021</a:t>
             </a:fld>
             <a:endParaRPr lang="es-ES"/>
           </a:p>
@@ -2924,7 +2929,7 @@
           <a:p>
             <a:fld id="{EABBE466-1605-419E-A023-F85C1E3C20FA}" type="datetimeFigureOut">
               <a:rPr lang="es-ES" smtClean="0"/>
-              <a:t>29/11/2021</a:t>
+              <a:t>30/11/2021</a:t>
             </a:fld>
             <a:endParaRPr lang="es-ES"/>
           </a:p>
@@ -4238,20 +4243,32 @@
         </p:nvSpPr>
         <p:spPr/>
         <p:txBody>
-          <a:bodyPr/>
+          <a:bodyPr>
+            <a:normAutofit fontScale="92500" lnSpcReduction="10000"/>
+          </a:bodyPr>
           <a:lstStyle/>
           <a:p>
             <a:pPr marL="514350" indent="-514350">
               <a:buAutoNum type="arabicPeriod"/>
             </a:pPr>
             <a:r>
-              <a:rPr lang="en-US" dirty="0">
+              <a:rPr lang="en-US" b="1" dirty="0">
                 <a:solidFill>
                   <a:srgbClr val="212529"/>
                 </a:solidFill>
                 <a:latin typeface="-apple-system"/>
               </a:rPr>
               <a:t>C</a:t>
+            </a:r>
+            <a:r>
+              <a:rPr lang="en-US" b="1" i="0" dirty="0">
+                <a:solidFill>
+                  <a:srgbClr val="212529"/>
+                </a:solidFill>
+                <a:effectLst/>
+                <a:latin typeface="-apple-system"/>
+              </a:rPr>
+              <a:t>areless cleanup</a:t>
             </a:r>
             <a:r>
               <a:rPr lang="en-US" b="0" i="0" dirty="0">
@@ -4261,7 +4278,7 @@
                 <a:effectLst/>
                 <a:latin typeface="-apple-system"/>
               </a:rPr>
-              <a:t>areless cleanup.</a:t>
+              <a:t>: A resource may be prevented from being closed by a raised exception. </a:t>
             </a:r>
           </a:p>
           <a:p>
@@ -4269,13 +4286,23 @@
               <a:buAutoNum type="arabicPeriod"/>
             </a:pPr>
             <a:r>
-              <a:rPr lang="en-US" dirty="0">
+              <a:rPr lang="en-US" b="1" dirty="0">
                 <a:solidFill>
                   <a:srgbClr val="212529"/>
                 </a:solidFill>
                 <a:latin typeface="-apple-system"/>
               </a:rPr>
               <a:t>D</a:t>
+            </a:r>
+            <a:r>
+              <a:rPr lang="en-US" b="1" i="0" dirty="0">
+                <a:solidFill>
+                  <a:srgbClr val="212529"/>
+                </a:solidFill>
+                <a:effectLst/>
+                <a:latin typeface="-apple-system"/>
+              </a:rPr>
+              <a:t>ummy handler</a:t>
             </a:r>
             <a:r>
               <a:rPr lang="en-US" b="0" i="0" dirty="0">
@@ -4285,21 +4312,42 @@
                 <a:effectLst/>
                 <a:latin typeface="-apple-system"/>
               </a:rPr>
-              <a:t>ummy handler.</a:t>
-            </a:r>
+              <a:t>: </a:t>
+            </a:r>
+            <a:r>
+              <a:rPr lang="en-US" dirty="0"/>
+              <a:t>An exception is recorded or logged only. </a:t>
+            </a:r>
+            <a:endParaRPr lang="en-US" b="0" i="0" dirty="0">
+              <a:solidFill>
+                <a:srgbClr val="212529"/>
+              </a:solidFill>
+              <a:effectLst/>
+              <a:latin typeface="-apple-system"/>
+            </a:endParaRPr>
           </a:p>
           <a:p>
             <a:pPr marL="514350" indent="-514350">
               <a:buAutoNum type="arabicPeriod"/>
             </a:pPr>
             <a:r>
-              <a:rPr lang="en-US" dirty="0">
+              <a:rPr lang="en-US" b="1" dirty="0">
                 <a:solidFill>
                   <a:srgbClr val="212529"/>
                 </a:solidFill>
                 <a:latin typeface="-apple-system"/>
               </a:rPr>
               <a:t>E</a:t>
+            </a:r>
+            <a:r>
+              <a:rPr lang="en-US" b="1" i="0" dirty="0">
+                <a:solidFill>
+                  <a:srgbClr val="212529"/>
+                </a:solidFill>
+                <a:effectLst/>
+                <a:latin typeface="-apple-system"/>
+              </a:rPr>
+              <a:t>mpty catch block</a:t>
             </a:r>
             <a:r>
               <a:rPr lang="en-US" b="0" i="0" dirty="0">
@@ -4309,21 +4357,42 @@
                 <a:effectLst/>
                 <a:latin typeface="-apple-system"/>
               </a:rPr>
-              <a:t>mpty catch block.</a:t>
-            </a:r>
+              <a:t>: </a:t>
+            </a:r>
+            <a:r>
+              <a:rPr lang="en-US" dirty="0"/>
+              <a:t>Nothing is done after catching an exception.</a:t>
+            </a:r>
+            <a:endParaRPr lang="en-US" b="0" i="0" dirty="0">
+              <a:solidFill>
+                <a:srgbClr val="212529"/>
+              </a:solidFill>
+              <a:effectLst/>
+              <a:latin typeface="-apple-system"/>
+            </a:endParaRPr>
           </a:p>
           <a:p>
             <a:pPr marL="514350" indent="-514350">
               <a:buAutoNum type="arabicPeriod"/>
             </a:pPr>
             <a:r>
-              <a:rPr lang="en-US" dirty="0">
+              <a:rPr lang="en-US" b="1" dirty="0">
                 <a:solidFill>
                   <a:srgbClr val="212529"/>
                 </a:solidFill>
                 <a:latin typeface="-apple-system"/>
               </a:rPr>
               <a:t>E</a:t>
+            </a:r>
+            <a:r>
+              <a:rPr lang="en-US" b="1" i="0" dirty="0">
+                <a:solidFill>
+                  <a:srgbClr val="212529"/>
+                </a:solidFill>
+                <a:effectLst/>
+                <a:latin typeface="-apple-system"/>
+              </a:rPr>
+              <a:t>xception thrown in finally block</a:t>
             </a:r>
             <a:r>
               <a:rPr lang="en-US" b="0" i="0" dirty="0">
@@ -4333,13 +4402,34 @@
                 <a:effectLst/>
                 <a:latin typeface="-apple-system"/>
               </a:rPr>
-              <a:t>xception thrown in finally block.</a:t>
-            </a:r>
+              <a:t>: </a:t>
+            </a:r>
+            <a:r>
+              <a:rPr lang="en-US" dirty="0"/>
+              <a:t>An exception is raised in the finally block. </a:t>
+            </a:r>
+            <a:endParaRPr lang="en-US" b="0" i="0" dirty="0">
+              <a:solidFill>
+                <a:srgbClr val="212529"/>
+              </a:solidFill>
+              <a:effectLst/>
+              <a:latin typeface="-apple-system"/>
+            </a:endParaRPr>
           </a:p>
           <a:p>
             <a:pPr marL="514350" indent="-514350">
               <a:buAutoNum type="arabicPeriod"/>
             </a:pPr>
+            <a:r>
+              <a:rPr lang="en-US" b="1" i="0" dirty="0">
+                <a:solidFill>
+                  <a:srgbClr val="212529"/>
+                </a:solidFill>
+                <a:effectLst/>
+                <a:latin typeface="-apple-system"/>
+              </a:rPr>
+              <a:t>Nested try statement</a:t>
+            </a:r>
             <a:r>
               <a:rPr lang="en-US" b="0" i="0" dirty="0">
                 <a:solidFill>
@@ -4348,21 +4438,33 @@
                 <a:effectLst/>
                 <a:latin typeface="-apple-system"/>
               </a:rPr>
-              <a:t>Nested try statement.</a:t>
-            </a:r>
+              <a:t>: </a:t>
+            </a:r>
+            <a:r>
+              <a:rPr lang="en-US" dirty="0"/>
+              <a:t>A try-block is contained in the try, catch, or finally block of another try statement.</a:t>
+            </a:r>
+            <a:endParaRPr lang="en-US" b="0" i="0" dirty="0">
+              <a:solidFill>
+                <a:srgbClr val="212529"/>
+              </a:solidFill>
+              <a:effectLst/>
+              <a:latin typeface="-apple-system"/>
+            </a:endParaRPr>
           </a:p>
           <a:p>
             <a:pPr marL="514350" indent="-514350">
               <a:buAutoNum type="arabicPeriod"/>
             </a:pPr>
             <a:r>
-              <a:rPr lang="en-US" dirty="0">
+              <a:rPr lang="en-US" b="1" i="0" dirty="0">
                 <a:solidFill>
                   <a:srgbClr val="212529"/>
                 </a:solidFill>
+                <a:effectLst/>
                 <a:latin typeface="-apple-system"/>
               </a:rPr>
-              <a:t>O</a:t>
+              <a:t>Unprotected main</a:t>
             </a:r>
             <a:r>
               <a:rPr lang="en-US" b="0" i="0" dirty="0">
@@ -4372,22 +4474,49 @@
                 <a:effectLst/>
                 <a:latin typeface="-apple-system"/>
               </a:rPr>
-              <a:t>ver logging.</a:t>
+              <a:t>: </a:t>
+            </a:r>
+            <a:r>
+              <a:rPr lang="en-US" dirty="0"/>
+              <a:t>A main function that has no enclosing try block.</a:t>
             </a:r>
           </a:p>
           <a:p>
             <a:pPr marL="514350" indent="-514350">
+              <a:buFont typeface="Arial" panose="020B0604020202020204" pitchFamily="34" charset="0"/>
               <a:buAutoNum type="arabicPeriod"/>
             </a:pPr>
             <a:r>
-              <a:rPr lang="en-US" b="0" i="0" dirty="0">
+              <a:rPr lang="en-US" b="1">
+                <a:solidFill>
+                  <a:srgbClr val="212529"/>
+                </a:solidFill>
+                <a:latin typeface="-apple-system"/>
+              </a:rPr>
+              <a:t>O</a:t>
+            </a:r>
+            <a:r>
+              <a:rPr lang="en-US" b="1" i="0">
                 <a:solidFill>
                   <a:srgbClr val="212529"/>
                 </a:solidFill>
                 <a:effectLst/>
                 <a:latin typeface="-apple-system"/>
               </a:rPr>
-              <a:t>Unprotected main.</a:t>
+              <a:t>ver logging</a:t>
+            </a:r>
+            <a:r>
+              <a:rPr lang="en-US">
+                <a:solidFill>
+                  <a:srgbClr val="212529"/>
+                </a:solidFill>
+                <a:latin typeface="-apple-system"/>
+              </a:rPr>
+              <a:t>.</a:t>
+            </a:r>
+            <a:r>
+              <a:rPr lang="en-US"/>
+              <a:t> </a:t>
             </a:r>
             <a:endParaRPr lang="es-ES" dirty="0"/>
           </a:p>
